--- a/static/pptx/PIEC.pptx
+++ b/static/pptx/PIEC.pptx
@@ -1,19 +1,114 @@
 
 <file path=ppt/presentation.xml><?xml version="1.0" encoding="utf-8"?>
-<p:presentation xmlns:a="http://schemas.openxmlformats.org/drawingml/2006/main" xmlns:p="http://schemas.openxmlformats.org/presentationml/2006/main" xmlns:r="http://schemas.openxmlformats.org/officeDocument/2006/relationships" xmlns:p14="http://schemas.microsoft.com/office/powerpoint/2010/main" xmlns:p15="http://schemas.microsoft.com/office/powerpoint/2012/main" xmlns:mc="http://schemas.openxmlformats.org/markup-compatibility/2006">
+<p:presentation xmlns:a="http://schemas.openxmlformats.org/drawingml/2006/main" xmlns:r="http://schemas.openxmlformats.org/officeDocument/2006/relationships" xmlns:p="http://schemas.openxmlformats.org/presentationml/2006/main">
   <p:sldMasterIdLst>
-    <p:sldMasterId id="2147483648" r:id="rId2"/>
+    <p:sldMasterId id="2147483648" r:id="rId1"/>
   </p:sldMasterIdLst>
   <p:sldIdLst>
-    <p:sldId id="256" r:id="rId3"/>
+    <p:sldId id="256" r:id="rId2"/>
   </p:sldIdLst>
-  <p:sldSz cx="9144000" cy="6858000"/>
-  <p:notesSz cx="7559675" cy="10691812"/>
+  <p:sldSz cx="9144000" cy="6858000" type="screen4x3"/>
+  <p:notesSz cx="7559675" cy="10691813"/>
+  <p:defaultTextStyle>
+    <a:defPPr>
+      <a:defRPr lang="es-ES"/>
+    </a:defPPr>
+    <a:lvl1pPr marL="0" algn="l" defTabSz="914400" rtl="0" eaLnBrk="1" latinLnBrk="0" hangingPunct="1">
+      <a:defRPr sz="1800" kern="1200">
+        <a:solidFill>
+          <a:schemeClr val="tx1"/>
+        </a:solidFill>
+        <a:latin typeface="+mn-lt"/>
+        <a:ea typeface="+mn-ea"/>
+        <a:cs typeface="+mn-cs"/>
+      </a:defRPr>
+    </a:lvl1pPr>
+    <a:lvl2pPr marL="457200" algn="l" defTabSz="914400" rtl="0" eaLnBrk="1" latinLnBrk="0" hangingPunct="1">
+      <a:defRPr sz="1800" kern="1200">
+        <a:solidFill>
+          <a:schemeClr val="tx1"/>
+        </a:solidFill>
+        <a:latin typeface="+mn-lt"/>
+        <a:ea typeface="+mn-ea"/>
+        <a:cs typeface="+mn-cs"/>
+      </a:defRPr>
+    </a:lvl2pPr>
+    <a:lvl3pPr marL="914400" algn="l" defTabSz="914400" rtl="0" eaLnBrk="1" latinLnBrk="0" hangingPunct="1">
+      <a:defRPr sz="1800" kern="1200">
+        <a:solidFill>
+          <a:schemeClr val="tx1"/>
+        </a:solidFill>
+        <a:latin typeface="+mn-lt"/>
+        <a:ea typeface="+mn-ea"/>
+        <a:cs typeface="+mn-cs"/>
+      </a:defRPr>
+    </a:lvl3pPr>
+    <a:lvl4pPr marL="1371600" algn="l" defTabSz="914400" rtl="0" eaLnBrk="1" latinLnBrk="0" hangingPunct="1">
+      <a:defRPr sz="1800" kern="1200">
+        <a:solidFill>
+          <a:schemeClr val="tx1"/>
+        </a:solidFill>
+        <a:latin typeface="+mn-lt"/>
+        <a:ea typeface="+mn-ea"/>
+        <a:cs typeface="+mn-cs"/>
+      </a:defRPr>
+    </a:lvl4pPr>
+    <a:lvl5pPr marL="1828800" algn="l" defTabSz="914400" rtl="0" eaLnBrk="1" latinLnBrk="0" hangingPunct="1">
+      <a:defRPr sz="1800" kern="1200">
+        <a:solidFill>
+          <a:schemeClr val="tx1"/>
+        </a:solidFill>
+        <a:latin typeface="+mn-lt"/>
+        <a:ea typeface="+mn-ea"/>
+        <a:cs typeface="+mn-cs"/>
+      </a:defRPr>
+    </a:lvl5pPr>
+    <a:lvl6pPr marL="2286000" algn="l" defTabSz="914400" rtl="0" eaLnBrk="1" latinLnBrk="0" hangingPunct="1">
+      <a:defRPr sz="1800" kern="1200">
+        <a:solidFill>
+          <a:schemeClr val="tx1"/>
+        </a:solidFill>
+        <a:latin typeface="+mn-lt"/>
+        <a:ea typeface="+mn-ea"/>
+        <a:cs typeface="+mn-cs"/>
+      </a:defRPr>
+    </a:lvl6pPr>
+    <a:lvl7pPr marL="2743200" algn="l" defTabSz="914400" rtl="0" eaLnBrk="1" latinLnBrk="0" hangingPunct="1">
+      <a:defRPr sz="1800" kern="1200">
+        <a:solidFill>
+          <a:schemeClr val="tx1"/>
+        </a:solidFill>
+        <a:latin typeface="+mn-lt"/>
+        <a:ea typeface="+mn-ea"/>
+        <a:cs typeface="+mn-cs"/>
+      </a:defRPr>
+    </a:lvl7pPr>
+    <a:lvl8pPr marL="3200400" algn="l" defTabSz="914400" rtl="0" eaLnBrk="1" latinLnBrk="0" hangingPunct="1">
+      <a:defRPr sz="1800" kern="1200">
+        <a:solidFill>
+          <a:schemeClr val="tx1"/>
+        </a:solidFill>
+        <a:latin typeface="+mn-lt"/>
+        <a:ea typeface="+mn-ea"/>
+        <a:cs typeface="+mn-cs"/>
+      </a:defRPr>
+    </a:lvl8pPr>
+    <a:lvl9pPr marL="3657600" algn="l" defTabSz="914400" rtl="0" eaLnBrk="1" latinLnBrk="0" hangingPunct="1">
+      <a:defRPr sz="1800" kern="1200">
+        <a:solidFill>
+          <a:schemeClr val="tx1"/>
+        </a:solidFill>
+        <a:latin typeface="+mn-lt"/>
+        <a:ea typeface="+mn-ea"/>
+        <a:cs typeface="+mn-cs"/>
+      </a:defRPr>
+    </a:lvl9pPr>
+  </p:defaultTextStyle>
 </p:presentation>
 </file>
 
 <file path=ppt/slideLayouts/slideLayout1.xml><?xml version="1.0" encoding="utf-8"?>
-<p:sldLayout xmlns:a="http://schemas.openxmlformats.org/drawingml/2006/main" xmlns:p="http://schemas.openxmlformats.org/presentationml/2006/main" xmlns:r="http://schemas.openxmlformats.org/officeDocument/2006/relationships" xmlns:p14="http://schemas.microsoft.com/office/powerpoint/2010/main" xmlns:p15="http://schemas.microsoft.com/office/powerpoint/2012/main" xmlns:mc="http://schemas.openxmlformats.org/markup-compatibility/2006" type="blank" preserve="1">
+<p:sldLayout xmlns:a="http://schemas.openxmlformats.org/drawingml/2006/main" xmlns:r="http://schemas.openxmlformats.org/officeDocument/2006/relationships" xmlns:p="http://schemas.openxmlformats.org/presentationml/2006/main" type="blank" preserve="1">
   <p:cSld name="Blank Slide">
     <p:spTree>
       <p:nvGrpSpPr>
@@ -31,11 +126,14 @@
       </p:grpSpPr>
     </p:spTree>
   </p:cSld>
+  <p:clrMapOvr>
+    <a:masterClrMapping/>
+  </p:clrMapOvr>
 </p:sldLayout>
 </file>
 
 <file path=ppt/slideLayouts/slideLayout10.xml><?xml version="1.0" encoding="utf-8"?>
-<p:sldLayout xmlns:a="http://schemas.openxmlformats.org/drawingml/2006/main" xmlns:p="http://schemas.openxmlformats.org/presentationml/2006/main" xmlns:r="http://schemas.openxmlformats.org/officeDocument/2006/relationships" xmlns:p14="http://schemas.microsoft.com/office/powerpoint/2010/main" xmlns:p15="http://schemas.microsoft.com/office/powerpoint/2012/main" xmlns:mc="http://schemas.openxmlformats.org/markup-compatibility/2006" type="objOverTx" preserve="1">
+<p:sldLayout xmlns:a="http://schemas.openxmlformats.org/drawingml/2006/main" xmlns:r="http://schemas.openxmlformats.org/officeDocument/2006/relationships" xmlns:p="http://schemas.openxmlformats.org/presentationml/2006/main" type="objOverTx" preserve="1">
   <p:cSld name="Title, Content over Content">
     <p:spTree>
       <p:nvGrpSpPr>
@@ -71,12 +169,13 @@
           </a:prstGeom>
         </p:spPr>
         <p:txBody>
-          <a:bodyPr lIns="0" rIns="0" tIns="0" bIns="0" anchor="ctr">
+          <a:bodyPr lIns="0" tIns="0" rIns="0" bIns="0" anchor="ctr">
             <a:noAutofit/>
           </a:bodyPr>
+          <a:lstStyle/>
           <a:p>
             <a:pPr algn="ctr"/>
-            <a:endParaRPr b="0" lang="es-ES" sz="4400" spc="-1" strike="noStrike">
+            <a:endParaRPr lang="es-ES" sz="4400" b="0" strike="noStrike" spc="-1">
               <a:latin typeface="Arial"/>
             </a:endParaRPr>
           </a:p>
@@ -102,11 +201,12 @@
           </a:prstGeom>
         </p:spPr>
         <p:txBody>
-          <a:bodyPr lIns="0" rIns="0" tIns="0" bIns="0">
+          <a:bodyPr lIns="0" tIns="0" rIns="0" bIns="0">
             <a:normAutofit/>
           </a:bodyPr>
-          <a:p>
-            <a:endParaRPr b="0" lang="es-ES" sz="3200" spc="-1" strike="noStrike">
+          <a:lstStyle/>
+          <a:p>
+            <a:endParaRPr lang="es-ES" sz="3200" b="0" strike="noStrike" spc="-1">
               <a:latin typeface="Arial"/>
             </a:endParaRPr>
           </a:p>
@@ -132,11 +232,12 @@
           </a:prstGeom>
         </p:spPr>
         <p:txBody>
-          <a:bodyPr lIns="0" rIns="0" tIns="0" bIns="0">
+          <a:bodyPr lIns="0" tIns="0" rIns="0" bIns="0">
             <a:normAutofit/>
           </a:bodyPr>
-          <a:p>
-            <a:endParaRPr b="0" lang="es-ES" sz="3200" spc="-1" strike="noStrike">
+          <a:lstStyle/>
+          <a:p>
+            <a:endParaRPr lang="es-ES" sz="3200" b="0" strike="noStrike" spc="-1">
               <a:latin typeface="Arial"/>
             </a:endParaRPr>
           </a:p>
@@ -144,11 +245,14 @@
       </p:sp>
     </p:spTree>
   </p:cSld>
+  <p:clrMapOvr>
+    <a:masterClrMapping/>
+  </p:clrMapOvr>
 </p:sldLayout>
 </file>
 
 <file path=ppt/slideLayouts/slideLayout11.xml><?xml version="1.0" encoding="utf-8"?>
-<p:sldLayout xmlns:a="http://schemas.openxmlformats.org/drawingml/2006/main" xmlns:p="http://schemas.openxmlformats.org/presentationml/2006/main" xmlns:r="http://schemas.openxmlformats.org/officeDocument/2006/relationships" xmlns:p14="http://schemas.microsoft.com/office/powerpoint/2010/main" xmlns:p15="http://schemas.microsoft.com/office/powerpoint/2012/main" xmlns:mc="http://schemas.openxmlformats.org/markup-compatibility/2006" type="fourObj" preserve="1">
+<p:sldLayout xmlns:a="http://schemas.openxmlformats.org/drawingml/2006/main" xmlns:r="http://schemas.openxmlformats.org/officeDocument/2006/relationships" xmlns:p="http://schemas.openxmlformats.org/presentationml/2006/main" type="fourObj" preserve="1">
   <p:cSld name="Title, 4 Content">
     <p:spTree>
       <p:nvGrpSpPr>
@@ -184,12 +288,13 @@
           </a:prstGeom>
         </p:spPr>
         <p:txBody>
-          <a:bodyPr lIns="0" rIns="0" tIns="0" bIns="0" anchor="ctr">
+          <a:bodyPr lIns="0" tIns="0" rIns="0" bIns="0" anchor="ctr">
             <a:noAutofit/>
           </a:bodyPr>
+          <a:lstStyle/>
           <a:p>
             <a:pPr algn="ctr"/>
-            <a:endParaRPr b="0" lang="es-ES" sz="4400" spc="-1" strike="noStrike">
+            <a:endParaRPr lang="es-ES" sz="4400" b="0" strike="noStrike" spc="-1">
               <a:latin typeface="Arial"/>
             </a:endParaRPr>
           </a:p>
@@ -215,11 +320,12 @@
           </a:prstGeom>
         </p:spPr>
         <p:txBody>
-          <a:bodyPr lIns="0" rIns="0" tIns="0" bIns="0">
+          <a:bodyPr lIns="0" tIns="0" rIns="0" bIns="0">
             <a:normAutofit/>
           </a:bodyPr>
-          <a:p>
-            <a:endParaRPr b="0" lang="es-ES" sz="3200" spc="-1" strike="noStrike">
+          <a:lstStyle/>
+          <a:p>
+            <a:endParaRPr lang="es-ES" sz="3200" b="0" strike="noStrike" spc="-1">
               <a:latin typeface="Arial"/>
             </a:endParaRPr>
           </a:p>
@@ -245,11 +351,12 @@
           </a:prstGeom>
         </p:spPr>
         <p:txBody>
-          <a:bodyPr lIns="0" rIns="0" tIns="0" bIns="0">
+          <a:bodyPr lIns="0" tIns="0" rIns="0" bIns="0">
             <a:normAutofit/>
           </a:bodyPr>
-          <a:p>
-            <a:endParaRPr b="0" lang="es-ES" sz="3200" spc="-1" strike="noStrike">
+          <a:lstStyle/>
+          <a:p>
+            <a:endParaRPr lang="es-ES" sz="3200" b="0" strike="noStrike" spc="-1">
               <a:latin typeface="Arial"/>
             </a:endParaRPr>
           </a:p>
@@ -275,11 +382,12 @@
           </a:prstGeom>
         </p:spPr>
         <p:txBody>
-          <a:bodyPr lIns="0" rIns="0" tIns="0" bIns="0">
+          <a:bodyPr lIns="0" tIns="0" rIns="0" bIns="0">
             <a:normAutofit/>
           </a:bodyPr>
-          <a:p>
-            <a:endParaRPr b="0" lang="es-ES" sz="3200" spc="-1" strike="noStrike">
+          <a:lstStyle/>
+          <a:p>
+            <a:endParaRPr lang="es-ES" sz="3200" b="0" strike="noStrike" spc="-1">
               <a:latin typeface="Arial"/>
             </a:endParaRPr>
           </a:p>
@@ -305,11 +413,12 @@
           </a:prstGeom>
         </p:spPr>
         <p:txBody>
-          <a:bodyPr lIns="0" rIns="0" tIns="0" bIns="0">
+          <a:bodyPr lIns="0" tIns="0" rIns="0" bIns="0">
             <a:normAutofit/>
           </a:bodyPr>
-          <a:p>
-            <a:endParaRPr b="0" lang="es-ES" sz="3200" spc="-1" strike="noStrike">
+          <a:lstStyle/>
+          <a:p>
+            <a:endParaRPr lang="es-ES" sz="3200" b="0" strike="noStrike" spc="-1">
               <a:latin typeface="Arial"/>
             </a:endParaRPr>
           </a:p>
@@ -317,11 +426,14 @@
       </p:sp>
     </p:spTree>
   </p:cSld>
+  <p:clrMapOvr>
+    <a:masterClrMapping/>
+  </p:clrMapOvr>
 </p:sldLayout>
 </file>
 
 <file path=ppt/slideLayouts/slideLayout12.xml><?xml version="1.0" encoding="utf-8"?>
-<p:sldLayout xmlns:a="http://schemas.openxmlformats.org/drawingml/2006/main" xmlns:p="http://schemas.openxmlformats.org/presentationml/2006/main" xmlns:r="http://schemas.openxmlformats.org/officeDocument/2006/relationships" xmlns:p14="http://schemas.microsoft.com/office/powerpoint/2010/main" xmlns:p15="http://schemas.microsoft.com/office/powerpoint/2012/main" xmlns:mc="http://schemas.openxmlformats.org/markup-compatibility/2006" type="blank" preserve="1">
+<p:sldLayout xmlns:a="http://schemas.openxmlformats.org/drawingml/2006/main" xmlns:r="http://schemas.openxmlformats.org/officeDocument/2006/relationships" xmlns:p="http://schemas.openxmlformats.org/presentationml/2006/main" type="blank" preserve="1">
   <p:cSld name="Title, 6 Content">
     <p:spTree>
       <p:nvGrpSpPr>
@@ -357,12 +469,13 @@
           </a:prstGeom>
         </p:spPr>
         <p:txBody>
-          <a:bodyPr lIns="0" rIns="0" tIns="0" bIns="0" anchor="ctr">
+          <a:bodyPr lIns="0" tIns="0" rIns="0" bIns="0" anchor="ctr">
             <a:noAutofit/>
           </a:bodyPr>
+          <a:lstStyle/>
           <a:p>
             <a:pPr algn="ctr"/>
-            <a:endParaRPr b="0" lang="es-ES" sz="4400" spc="-1" strike="noStrike">
+            <a:endParaRPr lang="es-ES" sz="4400" b="0" strike="noStrike" spc="-1">
               <a:latin typeface="Arial"/>
             </a:endParaRPr>
           </a:p>
@@ -388,11 +501,12 @@
           </a:prstGeom>
         </p:spPr>
         <p:txBody>
-          <a:bodyPr lIns="0" rIns="0" tIns="0" bIns="0">
+          <a:bodyPr lIns="0" tIns="0" rIns="0" bIns="0">
             <a:normAutofit/>
           </a:bodyPr>
-          <a:p>
-            <a:endParaRPr b="0" lang="es-ES" sz="3200" spc="-1" strike="noStrike">
+          <a:lstStyle/>
+          <a:p>
+            <a:endParaRPr lang="es-ES" sz="3200" b="0" strike="noStrike" spc="-1">
               <a:latin typeface="Arial"/>
             </a:endParaRPr>
           </a:p>
@@ -418,11 +532,12 @@
           </a:prstGeom>
         </p:spPr>
         <p:txBody>
-          <a:bodyPr lIns="0" rIns="0" tIns="0" bIns="0">
+          <a:bodyPr lIns="0" tIns="0" rIns="0" bIns="0">
             <a:normAutofit/>
           </a:bodyPr>
-          <a:p>
-            <a:endParaRPr b="0" lang="es-ES" sz="3200" spc="-1" strike="noStrike">
+          <a:lstStyle/>
+          <a:p>
+            <a:endParaRPr lang="es-ES" sz="3200" b="0" strike="noStrike" spc="-1">
               <a:latin typeface="Arial"/>
             </a:endParaRPr>
           </a:p>
@@ -448,11 +563,12 @@
           </a:prstGeom>
         </p:spPr>
         <p:txBody>
-          <a:bodyPr lIns="0" rIns="0" tIns="0" bIns="0">
+          <a:bodyPr lIns="0" tIns="0" rIns="0" bIns="0">
             <a:normAutofit/>
           </a:bodyPr>
-          <a:p>
-            <a:endParaRPr b="0" lang="es-ES" sz="3200" spc="-1" strike="noStrike">
+          <a:lstStyle/>
+          <a:p>
+            <a:endParaRPr lang="es-ES" sz="3200" b="0" strike="noStrike" spc="-1">
               <a:latin typeface="Arial"/>
             </a:endParaRPr>
           </a:p>
@@ -478,11 +594,12 @@
           </a:prstGeom>
         </p:spPr>
         <p:txBody>
-          <a:bodyPr lIns="0" rIns="0" tIns="0" bIns="0">
+          <a:bodyPr lIns="0" tIns="0" rIns="0" bIns="0">
             <a:normAutofit/>
           </a:bodyPr>
-          <a:p>
-            <a:endParaRPr b="0" lang="es-ES" sz="3200" spc="-1" strike="noStrike">
+          <a:lstStyle/>
+          <a:p>
+            <a:endParaRPr lang="es-ES" sz="3200" b="0" strike="noStrike" spc="-1">
               <a:latin typeface="Arial"/>
             </a:endParaRPr>
           </a:p>
@@ -508,11 +625,12 @@
           </a:prstGeom>
         </p:spPr>
         <p:txBody>
-          <a:bodyPr lIns="0" rIns="0" tIns="0" bIns="0">
+          <a:bodyPr lIns="0" tIns="0" rIns="0" bIns="0">
             <a:normAutofit/>
           </a:bodyPr>
-          <a:p>
-            <a:endParaRPr b="0" lang="es-ES" sz="3200" spc="-1" strike="noStrike">
+          <a:lstStyle/>
+          <a:p>
+            <a:endParaRPr lang="es-ES" sz="3200" b="0" strike="noStrike" spc="-1">
               <a:latin typeface="Arial"/>
             </a:endParaRPr>
           </a:p>
@@ -538,11 +656,12 @@
           </a:prstGeom>
         </p:spPr>
         <p:txBody>
-          <a:bodyPr lIns="0" rIns="0" tIns="0" bIns="0">
+          <a:bodyPr lIns="0" tIns="0" rIns="0" bIns="0">
             <a:normAutofit/>
           </a:bodyPr>
-          <a:p>
-            <a:endParaRPr b="0" lang="es-ES" sz="3200" spc="-1" strike="noStrike">
+          <a:lstStyle/>
+          <a:p>
+            <a:endParaRPr lang="es-ES" sz="3200" b="0" strike="noStrike" spc="-1">
               <a:latin typeface="Arial"/>
             </a:endParaRPr>
           </a:p>
@@ -550,11 +669,14 @@
       </p:sp>
     </p:spTree>
   </p:cSld>
+  <p:clrMapOvr>
+    <a:masterClrMapping/>
+  </p:clrMapOvr>
 </p:sldLayout>
 </file>
 
 <file path=ppt/slideLayouts/slideLayout2.xml><?xml version="1.0" encoding="utf-8"?>
-<p:sldLayout xmlns:a="http://schemas.openxmlformats.org/drawingml/2006/main" xmlns:p="http://schemas.openxmlformats.org/presentationml/2006/main" xmlns:r="http://schemas.openxmlformats.org/officeDocument/2006/relationships" xmlns:p14="http://schemas.microsoft.com/office/powerpoint/2010/main" xmlns:p15="http://schemas.microsoft.com/office/powerpoint/2012/main" xmlns:mc="http://schemas.openxmlformats.org/markup-compatibility/2006" type="tx" preserve="1">
+<p:sldLayout xmlns:a="http://schemas.openxmlformats.org/drawingml/2006/main" xmlns:r="http://schemas.openxmlformats.org/officeDocument/2006/relationships" xmlns:p="http://schemas.openxmlformats.org/presentationml/2006/main" type="tx" preserve="1">
   <p:cSld name="Title Slide">
     <p:spTree>
       <p:nvGrpSpPr>
@@ -572,7 +694,7 @@
       </p:grpSpPr>
       <p:sp>
         <p:nvSpPr>
-          <p:cNvPr id="0" name="PlaceHolder 1"/>
+          <p:cNvPr id="2" name="PlaceHolder 1"/>
           <p:cNvSpPr>
             <a:spLocks noGrp="1"/>
           </p:cNvSpPr>
@@ -590,20 +712,21 @@
           </a:prstGeom>
         </p:spPr>
         <p:txBody>
-          <a:bodyPr lIns="0" rIns="0" tIns="0" bIns="0" anchor="ctr">
+          <a:bodyPr lIns="0" tIns="0" rIns="0" bIns="0" anchor="ctr">
             <a:noAutofit/>
           </a:bodyPr>
+          <a:lstStyle/>
           <a:p>
             <a:pPr algn="ctr"/>
-            <a:endParaRPr b="0" lang="es-ES" sz="4400" spc="-1" strike="noStrike">
-              <a:latin typeface="Arial"/>
-            </a:endParaRPr>
-          </a:p>
-        </p:txBody>
-      </p:sp>
-      <p:sp>
-        <p:nvSpPr>
-          <p:cNvPr id="1" name="PlaceHolder 2"/>
+            <a:endParaRPr lang="es-ES" sz="4400" b="0" strike="noStrike" spc="-1">
+              <a:latin typeface="Arial"/>
+            </a:endParaRPr>
+          </a:p>
+        </p:txBody>
+      </p:sp>
+      <p:sp>
+        <p:nvSpPr>
+          <p:cNvPr id="3" name="PlaceHolder 2"/>
           <p:cNvSpPr>
             <a:spLocks noGrp="1"/>
           </p:cNvSpPr>
@@ -621,12 +744,13 @@
           </a:prstGeom>
         </p:spPr>
         <p:txBody>
-          <a:bodyPr lIns="0" rIns="0" tIns="0" bIns="0" anchor="ctr">
+          <a:bodyPr lIns="0" tIns="0" rIns="0" bIns="0" anchor="ctr">
             <a:noAutofit/>
           </a:bodyPr>
+          <a:lstStyle/>
           <a:p>
             <a:pPr algn="ctr"/>
-            <a:endParaRPr b="0" lang="es-ES" sz="3200" spc="-1" strike="noStrike">
+            <a:endParaRPr lang="es-ES" sz="3200" b="0" strike="noStrike" spc="-1">
               <a:latin typeface="Arial"/>
             </a:endParaRPr>
           </a:p>
@@ -634,11 +758,14 @@
       </p:sp>
     </p:spTree>
   </p:cSld>
+  <p:clrMapOvr>
+    <a:masterClrMapping/>
+  </p:clrMapOvr>
 </p:sldLayout>
 </file>
 
 <file path=ppt/slideLayouts/slideLayout3.xml><?xml version="1.0" encoding="utf-8"?>
-<p:sldLayout xmlns:a="http://schemas.openxmlformats.org/drawingml/2006/main" xmlns:p="http://schemas.openxmlformats.org/presentationml/2006/main" xmlns:r="http://schemas.openxmlformats.org/officeDocument/2006/relationships" xmlns:p14="http://schemas.microsoft.com/office/powerpoint/2010/main" xmlns:p15="http://schemas.microsoft.com/office/powerpoint/2012/main" xmlns:mc="http://schemas.openxmlformats.org/markup-compatibility/2006" type="obj" preserve="1">
+<p:sldLayout xmlns:a="http://schemas.openxmlformats.org/drawingml/2006/main" xmlns:r="http://schemas.openxmlformats.org/officeDocument/2006/relationships" xmlns:p="http://schemas.openxmlformats.org/presentationml/2006/main" type="obj" preserve="1">
   <p:cSld name="Title, Content">
     <p:spTree>
       <p:nvGrpSpPr>
@@ -674,12 +801,13 @@
           </a:prstGeom>
         </p:spPr>
         <p:txBody>
-          <a:bodyPr lIns="0" rIns="0" tIns="0" bIns="0" anchor="ctr">
+          <a:bodyPr lIns="0" tIns="0" rIns="0" bIns="0" anchor="ctr">
             <a:noAutofit/>
           </a:bodyPr>
+          <a:lstStyle/>
           <a:p>
             <a:pPr algn="ctr"/>
-            <a:endParaRPr b="0" lang="es-ES" sz="4400" spc="-1" strike="noStrike">
+            <a:endParaRPr lang="es-ES" sz="4400" b="0" strike="noStrike" spc="-1">
               <a:latin typeface="Arial"/>
             </a:endParaRPr>
           </a:p>
@@ -705,11 +833,12 @@
           </a:prstGeom>
         </p:spPr>
         <p:txBody>
-          <a:bodyPr lIns="0" rIns="0" tIns="0" bIns="0">
+          <a:bodyPr lIns="0" tIns="0" rIns="0" bIns="0">
             <a:normAutofit/>
           </a:bodyPr>
-          <a:p>
-            <a:endParaRPr b="0" lang="es-ES" sz="3200" spc="-1" strike="noStrike">
+          <a:lstStyle/>
+          <a:p>
+            <a:endParaRPr lang="es-ES" sz="3200" b="0" strike="noStrike" spc="-1">
               <a:latin typeface="Arial"/>
             </a:endParaRPr>
           </a:p>
@@ -717,11 +846,14 @@
       </p:sp>
     </p:spTree>
   </p:cSld>
+  <p:clrMapOvr>
+    <a:masterClrMapping/>
+  </p:clrMapOvr>
 </p:sldLayout>
 </file>
 
 <file path=ppt/slideLayouts/slideLayout4.xml><?xml version="1.0" encoding="utf-8"?>
-<p:sldLayout xmlns:a="http://schemas.openxmlformats.org/drawingml/2006/main" xmlns:p="http://schemas.openxmlformats.org/presentationml/2006/main" xmlns:r="http://schemas.openxmlformats.org/officeDocument/2006/relationships" xmlns:p14="http://schemas.microsoft.com/office/powerpoint/2010/main" xmlns:p15="http://schemas.microsoft.com/office/powerpoint/2012/main" xmlns:mc="http://schemas.openxmlformats.org/markup-compatibility/2006" type="twoObj" preserve="1">
+<p:sldLayout xmlns:a="http://schemas.openxmlformats.org/drawingml/2006/main" xmlns:r="http://schemas.openxmlformats.org/officeDocument/2006/relationships" xmlns:p="http://schemas.openxmlformats.org/presentationml/2006/main" type="twoObj" preserve="1">
   <p:cSld name="Title, 2 Content">
     <p:spTree>
       <p:nvGrpSpPr>
@@ -757,12 +889,13 @@
           </a:prstGeom>
         </p:spPr>
         <p:txBody>
-          <a:bodyPr lIns="0" rIns="0" tIns="0" bIns="0" anchor="ctr">
+          <a:bodyPr lIns="0" tIns="0" rIns="0" bIns="0" anchor="ctr">
             <a:noAutofit/>
           </a:bodyPr>
+          <a:lstStyle/>
           <a:p>
             <a:pPr algn="ctr"/>
-            <a:endParaRPr b="0" lang="es-ES" sz="4400" spc="-1" strike="noStrike">
+            <a:endParaRPr lang="es-ES" sz="4400" b="0" strike="noStrike" spc="-1">
               <a:latin typeface="Arial"/>
             </a:endParaRPr>
           </a:p>
@@ -788,11 +921,12 @@
           </a:prstGeom>
         </p:spPr>
         <p:txBody>
-          <a:bodyPr lIns="0" rIns="0" tIns="0" bIns="0">
+          <a:bodyPr lIns="0" tIns="0" rIns="0" bIns="0">
             <a:normAutofit/>
           </a:bodyPr>
-          <a:p>
-            <a:endParaRPr b="0" lang="es-ES" sz="3200" spc="-1" strike="noStrike">
+          <a:lstStyle/>
+          <a:p>
+            <a:endParaRPr lang="es-ES" sz="3200" b="0" strike="noStrike" spc="-1">
               <a:latin typeface="Arial"/>
             </a:endParaRPr>
           </a:p>
@@ -818,11 +952,12 @@
           </a:prstGeom>
         </p:spPr>
         <p:txBody>
-          <a:bodyPr lIns="0" rIns="0" tIns="0" bIns="0">
+          <a:bodyPr lIns="0" tIns="0" rIns="0" bIns="0">
             <a:normAutofit/>
           </a:bodyPr>
-          <a:p>
-            <a:endParaRPr b="0" lang="es-ES" sz="3200" spc="-1" strike="noStrike">
+          <a:lstStyle/>
+          <a:p>
+            <a:endParaRPr lang="es-ES" sz="3200" b="0" strike="noStrike" spc="-1">
               <a:latin typeface="Arial"/>
             </a:endParaRPr>
           </a:p>
@@ -830,11 +965,14 @@
       </p:sp>
     </p:spTree>
   </p:cSld>
+  <p:clrMapOvr>
+    <a:masterClrMapping/>
+  </p:clrMapOvr>
 </p:sldLayout>
 </file>
 
 <file path=ppt/slideLayouts/slideLayout5.xml><?xml version="1.0" encoding="utf-8"?>
-<p:sldLayout xmlns:a="http://schemas.openxmlformats.org/drawingml/2006/main" xmlns:p="http://schemas.openxmlformats.org/presentationml/2006/main" xmlns:r="http://schemas.openxmlformats.org/officeDocument/2006/relationships" xmlns:p14="http://schemas.microsoft.com/office/powerpoint/2010/main" xmlns:p15="http://schemas.microsoft.com/office/powerpoint/2012/main" xmlns:mc="http://schemas.openxmlformats.org/markup-compatibility/2006" type="titleOnly" preserve="1">
+<p:sldLayout xmlns:a="http://schemas.openxmlformats.org/drawingml/2006/main" xmlns:r="http://schemas.openxmlformats.org/officeDocument/2006/relationships" xmlns:p="http://schemas.openxmlformats.org/presentationml/2006/main" type="titleOnly" preserve="1">
   <p:cSld name="Title Only">
     <p:spTree>
       <p:nvGrpSpPr>
@@ -870,12 +1008,13 @@
           </a:prstGeom>
         </p:spPr>
         <p:txBody>
-          <a:bodyPr lIns="0" rIns="0" tIns="0" bIns="0" anchor="ctr">
+          <a:bodyPr lIns="0" tIns="0" rIns="0" bIns="0" anchor="ctr">
             <a:noAutofit/>
           </a:bodyPr>
+          <a:lstStyle/>
           <a:p>
             <a:pPr algn="ctr"/>
-            <a:endParaRPr b="0" lang="es-ES" sz="4400" spc="-1" strike="noStrike">
+            <a:endParaRPr lang="es-ES" sz="4400" b="0" strike="noStrike" spc="-1">
               <a:latin typeface="Arial"/>
             </a:endParaRPr>
           </a:p>
@@ -883,11 +1022,14 @@
       </p:sp>
     </p:spTree>
   </p:cSld>
+  <p:clrMapOvr>
+    <a:masterClrMapping/>
+  </p:clrMapOvr>
 </p:sldLayout>
 </file>
 
 <file path=ppt/slideLayouts/slideLayout6.xml><?xml version="1.0" encoding="utf-8"?>
-<p:sldLayout xmlns:a="http://schemas.openxmlformats.org/drawingml/2006/main" xmlns:p="http://schemas.openxmlformats.org/presentationml/2006/main" xmlns:r="http://schemas.openxmlformats.org/officeDocument/2006/relationships" xmlns:p14="http://schemas.microsoft.com/office/powerpoint/2010/main" xmlns:p15="http://schemas.microsoft.com/office/powerpoint/2012/main" xmlns:mc="http://schemas.openxmlformats.org/markup-compatibility/2006" type="objOnly" preserve="1">
+<p:sldLayout xmlns:a="http://schemas.openxmlformats.org/drawingml/2006/main" xmlns:r="http://schemas.openxmlformats.org/officeDocument/2006/relationships" xmlns:p="http://schemas.openxmlformats.org/presentationml/2006/main" type="objOnly" preserve="1">
   <p:cSld name="Centered Text">
     <p:spTree>
       <p:nvGrpSpPr>
@@ -923,12 +1065,13 @@
           </a:prstGeom>
         </p:spPr>
         <p:txBody>
-          <a:bodyPr lIns="0" rIns="0" tIns="0" bIns="0" anchor="ctr">
+          <a:bodyPr lIns="0" tIns="0" rIns="0" bIns="0" anchor="ctr">
             <a:noAutofit/>
           </a:bodyPr>
+          <a:lstStyle/>
           <a:p>
             <a:pPr algn="ctr"/>
-            <a:endParaRPr b="0" lang="es-ES" sz="3200" spc="-1" strike="noStrike">
+            <a:endParaRPr lang="es-ES" sz="3200" b="0" strike="noStrike" spc="-1">
               <a:latin typeface="Arial"/>
             </a:endParaRPr>
           </a:p>
@@ -936,11 +1079,14 @@
       </p:sp>
     </p:spTree>
   </p:cSld>
+  <p:clrMapOvr>
+    <a:masterClrMapping/>
+  </p:clrMapOvr>
 </p:sldLayout>
 </file>
 
 <file path=ppt/slideLayouts/slideLayout7.xml><?xml version="1.0" encoding="utf-8"?>
-<p:sldLayout xmlns:a="http://schemas.openxmlformats.org/drawingml/2006/main" xmlns:p="http://schemas.openxmlformats.org/presentationml/2006/main" xmlns:r="http://schemas.openxmlformats.org/officeDocument/2006/relationships" xmlns:p14="http://schemas.microsoft.com/office/powerpoint/2010/main" xmlns:p15="http://schemas.microsoft.com/office/powerpoint/2012/main" xmlns:mc="http://schemas.openxmlformats.org/markup-compatibility/2006" type="twoObjAndObj" preserve="1">
+<p:sldLayout xmlns:a="http://schemas.openxmlformats.org/drawingml/2006/main" xmlns:r="http://schemas.openxmlformats.org/officeDocument/2006/relationships" xmlns:p="http://schemas.openxmlformats.org/presentationml/2006/main" type="twoObjAndObj" preserve="1">
   <p:cSld name="Title, 2 Content and Content">
     <p:spTree>
       <p:nvGrpSpPr>
@@ -976,12 +1122,13 @@
           </a:prstGeom>
         </p:spPr>
         <p:txBody>
-          <a:bodyPr lIns="0" rIns="0" tIns="0" bIns="0" anchor="ctr">
+          <a:bodyPr lIns="0" tIns="0" rIns="0" bIns="0" anchor="ctr">
             <a:noAutofit/>
           </a:bodyPr>
+          <a:lstStyle/>
           <a:p>
             <a:pPr algn="ctr"/>
-            <a:endParaRPr b="0" lang="es-ES" sz="4400" spc="-1" strike="noStrike">
+            <a:endParaRPr lang="es-ES" sz="4400" b="0" strike="noStrike" spc="-1">
               <a:latin typeface="Arial"/>
             </a:endParaRPr>
           </a:p>
@@ -1007,11 +1154,12 @@
           </a:prstGeom>
         </p:spPr>
         <p:txBody>
-          <a:bodyPr lIns="0" rIns="0" tIns="0" bIns="0">
+          <a:bodyPr lIns="0" tIns="0" rIns="0" bIns="0">
             <a:normAutofit/>
           </a:bodyPr>
-          <a:p>
-            <a:endParaRPr b="0" lang="es-ES" sz="3200" spc="-1" strike="noStrike">
+          <a:lstStyle/>
+          <a:p>
+            <a:endParaRPr lang="es-ES" sz="3200" b="0" strike="noStrike" spc="-1">
               <a:latin typeface="Arial"/>
             </a:endParaRPr>
           </a:p>
@@ -1037,11 +1185,12 @@
           </a:prstGeom>
         </p:spPr>
         <p:txBody>
-          <a:bodyPr lIns="0" rIns="0" tIns="0" bIns="0">
+          <a:bodyPr lIns="0" tIns="0" rIns="0" bIns="0">
             <a:normAutofit/>
           </a:bodyPr>
-          <a:p>
-            <a:endParaRPr b="0" lang="es-ES" sz="3200" spc="-1" strike="noStrike">
+          <a:lstStyle/>
+          <a:p>
+            <a:endParaRPr lang="es-ES" sz="3200" b="0" strike="noStrike" spc="-1">
               <a:latin typeface="Arial"/>
             </a:endParaRPr>
           </a:p>
@@ -1067,11 +1216,12 @@
           </a:prstGeom>
         </p:spPr>
         <p:txBody>
-          <a:bodyPr lIns="0" rIns="0" tIns="0" bIns="0">
+          <a:bodyPr lIns="0" tIns="0" rIns="0" bIns="0">
             <a:normAutofit/>
           </a:bodyPr>
-          <a:p>
-            <a:endParaRPr b="0" lang="es-ES" sz="3200" spc="-1" strike="noStrike">
+          <a:lstStyle/>
+          <a:p>
+            <a:endParaRPr lang="es-ES" sz="3200" b="0" strike="noStrike" spc="-1">
               <a:latin typeface="Arial"/>
             </a:endParaRPr>
           </a:p>
@@ -1079,11 +1229,14 @@
       </p:sp>
     </p:spTree>
   </p:cSld>
+  <p:clrMapOvr>
+    <a:masterClrMapping/>
+  </p:clrMapOvr>
 </p:sldLayout>
 </file>
 
 <file path=ppt/slideLayouts/slideLayout8.xml><?xml version="1.0" encoding="utf-8"?>
-<p:sldLayout xmlns:a="http://schemas.openxmlformats.org/drawingml/2006/main" xmlns:p="http://schemas.openxmlformats.org/presentationml/2006/main" xmlns:r="http://schemas.openxmlformats.org/officeDocument/2006/relationships" xmlns:p14="http://schemas.microsoft.com/office/powerpoint/2010/main" xmlns:p15="http://schemas.microsoft.com/office/powerpoint/2012/main" xmlns:mc="http://schemas.openxmlformats.org/markup-compatibility/2006" type="objAndTwoObj" preserve="1">
+<p:sldLayout xmlns:a="http://schemas.openxmlformats.org/drawingml/2006/main" xmlns:r="http://schemas.openxmlformats.org/officeDocument/2006/relationships" xmlns:p="http://schemas.openxmlformats.org/presentationml/2006/main" type="objAndTwoObj" preserve="1">
   <p:cSld name="Title Content and 2 Content">
     <p:spTree>
       <p:nvGrpSpPr>
@@ -1119,12 +1272,13 @@
           </a:prstGeom>
         </p:spPr>
         <p:txBody>
-          <a:bodyPr lIns="0" rIns="0" tIns="0" bIns="0" anchor="ctr">
+          <a:bodyPr lIns="0" tIns="0" rIns="0" bIns="0" anchor="ctr">
             <a:noAutofit/>
           </a:bodyPr>
+          <a:lstStyle/>
           <a:p>
             <a:pPr algn="ctr"/>
-            <a:endParaRPr b="0" lang="es-ES" sz="4400" spc="-1" strike="noStrike">
+            <a:endParaRPr lang="es-ES" sz="4400" b="0" strike="noStrike" spc="-1">
               <a:latin typeface="Arial"/>
             </a:endParaRPr>
           </a:p>
@@ -1150,11 +1304,12 @@
           </a:prstGeom>
         </p:spPr>
         <p:txBody>
-          <a:bodyPr lIns="0" rIns="0" tIns="0" bIns="0">
+          <a:bodyPr lIns="0" tIns="0" rIns="0" bIns="0">
             <a:normAutofit/>
           </a:bodyPr>
-          <a:p>
-            <a:endParaRPr b="0" lang="es-ES" sz="3200" spc="-1" strike="noStrike">
+          <a:lstStyle/>
+          <a:p>
+            <a:endParaRPr lang="es-ES" sz="3200" b="0" strike="noStrike" spc="-1">
               <a:latin typeface="Arial"/>
             </a:endParaRPr>
           </a:p>
@@ -1180,11 +1335,12 @@
           </a:prstGeom>
         </p:spPr>
         <p:txBody>
-          <a:bodyPr lIns="0" rIns="0" tIns="0" bIns="0">
+          <a:bodyPr lIns="0" tIns="0" rIns="0" bIns="0">
             <a:normAutofit/>
           </a:bodyPr>
-          <a:p>
-            <a:endParaRPr b="0" lang="es-ES" sz="3200" spc="-1" strike="noStrike">
+          <a:lstStyle/>
+          <a:p>
+            <a:endParaRPr lang="es-ES" sz="3200" b="0" strike="noStrike" spc="-1">
               <a:latin typeface="Arial"/>
             </a:endParaRPr>
           </a:p>
@@ -1210,11 +1366,12 @@
           </a:prstGeom>
         </p:spPr>
         <p:txBody>
-          <a:bodyPr lIns="0" rIns="0" tIns="0" bIns="0">
+          <a:bodyPr lIns="0" tIns="0" rIns="0" bIns="0">
             <a:normAutofit/>
           </a:bodyPr>
-          <a:p>
-            <a:endParaRPr b="0" lang="es-ES" sz="3200" spc="-1" strike="noStrike">
+          <a:lstStyle/>
+          <a:p>
+            <a:endParaRPr lang="es-ES" sz="3200" b="0" strike="noStrike" spc="-1">
               <a:latin typeface="Arial"/>
             </a:endParaRPr>
           </a:p>
@@ -1222,11 +1379,14 @@
       </p:sp>
     </p:spTree>
   </p:cSld>
+  <p:clrMapOvr>
+    <a:masterClrMapping/>
+  </p:clrMapOvr>
 </p:sldLayout>
 </file>
 
 <file path=ppt/slideLayouts/slideLayout9.xml><?xml version="1.0" encoding="utf-8"?>
-<p:sldLayout xmlns:a="http://schemas.openxmlformats.org/drawingml/2006/main" xmlns:p="http://schemas.openxmlformats.org/presentationml/2006/main" xmlns:r="http://schemas.openxmlformats.org/officeDocument/2006/relationships" xmlns:p14="http://schemas.microsoft.com/office/powerpoint/2010/main" xmlns:p15="http://schemas.microsoft.com/office/powerpoint/2012/main" xmlns:mc="http://schemas.openxmlformats.org/markup-compatibility/2006" type="twoObjOverTx" preserve="1">
+<p:sldLayout xmlns:a="http://schemas.openxmlformats.org/drawingml/2006/main" xmlns:r="http://schemas.openxmlformats.org/officeDocument/2006/relationships" xmlns:p="http://schemas.openxmlformats.org/presentationml/2006/main" type="twoObjOverTx" preserve="1">
   <p:cSld name="Title, 2 Content over Content">
     <p:spTree>
       <p:nvGrpSpPr>
@@ -1262,12 +1422,13 @@
           </a:prstGeom>
         </p:spPr>
         <p:txBody>
-          <a:bodyPr lIns="0" rIns="0" tIns="0" bIns="0" anchor="ctr">
+          <a:bodyPr lIns="0" tIns="0" rIns="0" bIns="0" anchor="ctr">
             <a:noAutofit/>
           </a:bodyPr>
+          <a:lstStyle/>
           <a:p>
             <a:pPr algn="ctr"/>
-            <a:endParaRPr b="0" lang="es-ES" sz="4400" spc="-1" strike="noStrike">
+            <a:endParaRPr lang="es-ES" sz="4400" b="0" strike="noStrike" spc="-1">
               <a:latin typeface="Arial"/>
             </a:endParaRPr>
           </a:p>
@@ -1293,11 +1454,12 @@
           </a:prstGeom>
         </p:spPr>
         <p:txBody>
-          <a:bodyPr lIns="0" rIns="0" tIns="0" bIns="0">
+          <a:bodyPr lIns="0" tIns="0" rIns="0" bIns="0">
             <a:normAutofit/>
           </a:bodyPr>
-          <a:p>
-            <a:endParaRPr b="0" lang="es-ES" sz="3200" spc="-1" strike="noStrike">
+          <a:lstStyle/>
+          <a:p>
+            <a:endParaRPr lang="es-ES" sz="3200" b="0" strike="noStrike" spc="-1">
               <a:latin typeface="Arial"/>
             </a:endParaRPr>
           </a:p>
@@ -1323,11 +1485,12 @@
           </a:prstGeom>
         </p:spPr>
         <p:txBody>
-          <a:bodyPr lIns="0" rIns="0" tIns="0" bIns="0">
+          <a:bodyPr lIns="0" tIns="0" rIns="0" bIns="0">
             <a:normAutofit/>
           </a:bodyPr>
-          <a:p>
-            <a:endParaRPr b="0" lang="es-ES" sz="3200" spc="-1" strike="noStrike">
+          <a:lstStyle/>
+          <a:p>
+            <a:endParaRPr lang="es-ES" sz="3200" b="0" strike="noStrike" spc="-1">
               <a:latin typeface="Arial"/>
             </a:endParaRPr>
           </a:p>
@@ -1353,11 +1516,12 @@
           </a:prstGeom>
         </p:spPr>
         <p:txBody>
-          <a:bodyPr lIns="0" rIns="0" tIns="0" bIns="0">
+          <a:bodyPr lIns="0" tIns="0" rIns="0" bIns="0">
             <a:normAutofit/>
           </a:bodyPr>
-          <a:p>
-            <a:endParaRPr b="0" lang="es-ES" sz="3200" spc="-1" strike="noStrike">
+          <a:lstStyle/>
+          <a:p>
+            <a:endParaRPr lang="es-ES" sz="3200" b="0" strike="noStrike" spc="-1">
               <a:latin typeface="Arial"/>
             </a:endParaRPr>
           </a:p>
@@ -1365,17 +1529,21 @@
       </p:sp>
     </p:spTree>
   </p:cSld>
+  <p:clrMapOvr>
+    <a:masterClrMapping/>
+  </p:clrMapOvr>
 </p:sldLayout>
 </file>
 
 <file path=ppt/slideMasters/slideMaster1.xml><?xml version="1.0" encoding="utf-8"?>
-<p:sldMaster xmlns:a="http://schemas.openxmlformats.org/drawingml/2006/main" xmlns:p="http://schemas.openxmlformats.org/presentationml/2006/main" xmlns:r="http://schemas.openxmlformats.org/officeDocument/2006/relationships" xmlns:p14="http://schemas.microsoft.com/office/powerpoint/2010/main" xmlns:p15="http://schemas.microsoft.com/office/powerpoint/2012/main" xmlns:mc="http://schemas.openxmlformats.org/markup-compatibility/2006">
+<p:sldMaster xmlns:a="http://schemas.openxmlformats.org/drawingml/2006/main" xmlns:r="http://schemas.openxmlformats.org/officeDocument/2006/relationships" xmlns:p="http://schemas.openxmlformats.org/presentationml/2006/main">
   <p:cSld>
     <p:bg>
       <p:bgPr>
         <a:solidFill>
-          <a:srgbClr val="ffffff"/>
+          <a:srgbClr val="FFFFFF"/>
         </a:solidFill>
+        <a:effectLst/>
       </p:bgPr>
     </p:bg>
     <p:spTree>
@@ -1394,26 +1562,306 @@
       </p:grpSpPr>
     </p:spTree>
   </p:cSld>
-  <p:clrMap bg1="lt1" bg2="lt2" tx1="dk1" tx2="dk2" accent1="accent1" accent2="accent2" accent3="accent3" accent4="accent4" accent5="accent5" accent6="accent6" hlink="hlink" folHlink="folHlink"/>
+  <p:clrMap bg1="lt1" tx1="dk1" bg2="lt2" tx2="dk2" accent1="accent1" accent2="accent2" accent3="accent3" accent4="accent4" accent5="accent5" accent6="accent6" hlink="hlink" folHlink="folHlink"/>
   <p:sldLayoutIdLst>
-    <p:sldLayoutId id="2147483649" r:id="rId2"/>
-    <p:sldLayoutId id="2147483650" r:id="rId3"/>
-    <p:sldLayoutId id="2147483651" r:id="rId4"/>
-    <p:sldLayoutId id="2147483652" r:id="rId5"/>
-    <p:sldLayoutId id="2147483653" r:id="rId6"/>
-    <p:sldLayoutId id="2147483654" r:id="rId7"/>
-    <p:sldLayoutId id="2147483655" r:id="rId8"/>
-    <p:sldLayoutId id="2147483656" r:id="rId9"/>
-    <p:sldLayoutId id="2147483657" r:id="rId10"/>
-    <p:sldLayoutId id="2147483658" r:id="rId11"/>
-    <p:sldLayoutId id="2147483659" r:id="rId12"/>
-    <p:sldLayoutId id="2147483660" r:id="rId13"/>
+    <p:sldLayoutId id="2147483649" r:id="rId1"/>
+    <p:sldLayoutId id="2147483650" r:id="rId2"/>
+    <p:sldLayoutId id="2147483651" r:id="rId3"/>
+    <p:sldLayoutId id="2147483652" r:id="rId4"/>
+    <p:sldLayoutId id="2147483653" r:id="rId5"/>
+    <p:sldLayoutId id="2147483654" r:id="rId6"/>
+    <p:sldLayoutId id="2147483655" r:id="rId7"/>
+    <p:sldLayoutId id="2147483656" r:id="rId8"/>
+    <p:sldLayoutId id="2147483657" r:id="rId9"/>
+    <p:sldLayoutId id="2147483658" r:id="rId10"/>
+    <p:sldLayoutId id="2147483659" r:id="rId11"/>
+    <p:sldLayoutId id="2147483660" r:id="rId12"/>
   </p:sldLayoutIdLst>
+  <p:txStyles>
+    <p:titleStyle>
+      <a:lvl1pPr algn="l" defTabSz="914400" rtl="0" eaLnBrk="1" latinLnBrk="0" hangingPunct="1">
+        <a:lnSpc>
+          <a:spcPct val="90000"/>
+        </a:lnSpc>
+        <a:spcBef>
+          <a:spcPct val="0"/>
+        </a:spcBef>
+        <a:buNone/>
+        <a:defRPr sz="4400" kern="1200">
+          <a:solidFill>
+            <a:schemeClr val="tx1"/>
+          </a:solidFill>
+          <a:latin typeface="+mj-lt"/>
+          <a:ea typeface="+mj-ea"/>
+          <a:cs typeface="+mj-cs"/>
+        </a:defRPr>
+      </a:lvl1pPr>
+    </p:titleStyle>
+    <p:bodyStyle>
+      <a:lvl1pPr marL="228600" indent="-228600" algn="l" defTabSz="914400" rtl="0" eaLnBrk="1" latinLnBrk="0" hangingPunct="1">
+        <a:lnSpc>
+          <a:spcPct val="90000"/>
+        </a:lnSpc>
+        <a:spcBef>
+          <a:spcPts val="1000"/>
+        </a:spcBef>
+        <a:buFont typeface="Arial" panose="020B0604020202020204" pitchFamily="34" charset="0"/>
+        <a:buChar char="•"/>
+        <a:defRPr sz="2800" kern="1200">
+          <a:solidFill>
+            <a:schemeClr val="tx1"/>
+          </a:solidFill>
+          <a:latin typeface="+mn-lt"/>
+          <a:ea typeface="+mn-ea"/>
+          <a:cs typeface="+mn-cs"/>
+        </a:defRPr>
+      </a:lvl1pPr>
+      <a:lvl2pPr marL="685800" indent="-228600" algn="l" defTabSz="914400" rtl="0" eaLnBrk="1" latinLnBrk="0" hangingPunct="1">
+        <a:lnSpc>
+          <a:spcPct val="90000"/>
+        </a:lnSpc>
+        <a:spcBef>
+          <a:spcPts val="500"/>
+        </a:spcBef>
+        <a:buFont typeface="Arial" panose="020B0604020202020204" pitchFamily="34" charset="0"/>
+        <a:buChar char="•"/>
+        <a:defRPr sz="2400" kern="1200">
+          <a:solidFill>
+            <a:schemeClr val="tx1"/>
+          </a:solidFill>
+          <a:latin typeface="+mn-lt"/>
+          <a:ea typeface="+mn-ea"/>
+          <a:cs typeface="+mn-cs"/>
+        </a:defRPr>
+      </a:lvl2pPr>
+      <a:lvl3pPr marL="1143000" indent="-228600" algn="l" defTabSz="914400" rtl="0" eaLnBrk="1" latinLnBrk="0" hangingPunct="1">
+        <a:lnSpc>
+          <a:spcPct val="90000"/>
+        </a:lnSpc>
+        <a:spcBef>
+          <a:spcPts val="500"/>
+        </a:spcBef>
+        <a:buFont typeface="Arial" panose="020B0604020202020204" pitchFamily="34" charset="0"/>
+        <a:buChar char="•"/>
+        <a:defRPr sz="2000" kern="1200">
+          <a:solidFill>
+            <a:schemeClr val="tx1"/>
+          </a:solidFill>
+          <a:latin typeface="+mn-lt"/>
+          <a:ea typeface="+mn-ea"/>
+          <a:cs typeface="+mn-cs"/>
+        </a:defRPr>
+      </a:lvl3pPr>
+      <a:lvl4pPr marL="1600200" indent="-228600" algn="l" defTabSz="914400" rtl="0" eaLnBrk="1" latinLnBrk="0" hangingPunct="1">
+        <a:lnSpc>
+          <a:spcPct val="90000"/>
+        </a:lnSpc>
+        <a:spcBef>
+          <a:spcPts val="500"/>
+        </a:spcBef>
+        <a:buFont typeface="Arial" panose="020B0604020202020204" pitchFamily="34" charset="0"/>
+        <a:buChar char="•"/>
+        <a:defRPr sz="1800" kern="1200">
+          <a:solidFill>
+            <a:schemeClr val="tx1"/>
+          </a:solidFill>
+          <a:latin typeface="+mn-lt"/>
+          <a:ea typeface="+mn-ea"/>
+          <a:cs typeface="+mn-cs"/>
+        </a:defRPr>
+      </a:lvl4pPr>
+      <a:lvl5pPr marL="2057400" indent="-228600" algn="l" defTabSz="914400" rtl="0" eaLnBrk="1" latinLnBrk="0" hangingPunct="1">
+        <a:lnSpc>
+          <a:spcPct val="90000"/>
+        </a:lnSpc>
+        <a:spcBef>
+          <a:spcPts val="500"/>
+        </a:spcBef>
+        <a:buFont typeface="Arial" panose="020B0604020202020204" pitchFamily="34" charset="0"/>
+        <a:buChar char="•"/>
+        <a:defRPr sz="1800" kern="1200">
+          <a:solidFill>
+            <a:schemeClr val="tx1"/>
+          </a:solidFill>
+          <a:latin typeface="+mn-lt"/>
+          <a:ea typeface="+mn-ea"/>
+          <a:cs typeface="+mn-cs"/>
+        </a:defRPr>
+      </a:lvl5pPr>
+      <a:lvl6pPr marL="2514600" indent="-228600" algn="l" defTabSz="914400" rtl="0" eaLnBrk="1" latinLnBrk="0" hangingPunct="1">
+        <a:lnSpc>
+          <a:spcPct val="90000"/>
+        </a:lnSpc>
+        <a:spcBef>
+          <a:spcPts val="500"/>
+        </a:spcBef>
+        <a:buFont typeface="Arial" panose="020B0604020202020204" pitchFamily="34" charset="0"/>
+        <a:buChar char="•"/>
+        <a:defRPr sz="1800" kern="1200">
+          <a:solidFill>
+            <a:schemeClr val="tx1"/>
+          </a:solidFill>
+          <a:latin typeface="+mn-lt"/>
+          <a:ea typeface="+mn-ea"/>
+          <a:cs typeface="+mn-cs"/>
+        </a:defRPr>
+      </a:lvl6pPr>
+      <a:lvl7pPr marL="2971800" indent="-228600" algn="l" defTabSz="914400" rtl="0" eaLnBrk="1" latinLnBrk="0" hangingPunct="1">
+        <a:lnSpc>
+          <a:spcPct val="90000"/>
+        </a:lnSpc>
+        <a:spcBef>
+          <a:spcPts val="500"/>
+        </a:spcBef>
+        <a:buFont typeface="Arial" panose="020B0604020202020204" pitchFamily="34" charset="0"/>
+        <a:buChar char="•"/>
+        <a:defRPr sz="1800" kern="1200">
+          <a:solidFill>
+            <a:schemeClr val="tx1"/>
+          </a:solidFill>
+          <a:latin typeface="+mn-lt"/>
+          <a:ea typeface="+mn-ea"/>
+          <a:cs typeface="+mn-cs"/>
+        </a:defRPr>
+      </a:lvl7pPr>
+      <a:lvl8pPr marL="3429000" indent="-228600" algn="l" defTabSz="914400" rtl="0" eaLnBrk="1" latinLnBrk="0" hangingPunct="1">
+        <a:lnSpc>
+          <a:spcPct val="90000"/>
+        </a:lnSpc>
+        <a:spcBef>
+          <a:spcPts val="500"/>
+        </a:spcBef>
+        <a:buFont typeface="Arial" panose="020B0604020202020204" pitchFamily="34" charset="0"/>
+        <a:buChar char="•"/>
+        <a:defRPr sz="1800" kern="1200">
+          <a:solidFill>
+            <a:schemeClr val="tx1"/>
+          </a:solidFill>
+          <a:latin typeface="+mn-lt"/>
+          <a:ea typeface="+mn-ea"/>
+          <a:cs typeface="+mn-cs"/>
+        </a:defRPr>
+      </a:lvl8pPr>
+      <a:lvl9pPr marL="3886200" indent="-228600" algn="l" defTabSz="914400" rtl="0" eaLnBrk="1" latinLnBrk="0" hangingPunct="1">
+        <a:lnSpc>
+          <a:spcPct val="90000"/>
+        </a:lnSpc>
+        <a:spcBef>
+          <a:spcPts val="500"/>
+        </a:spcBef>
+        <a:buFont typeface="Arial" panose="020B0604020202020204" pitchFamily="34" charset="0"/>
+        <a:buChar char="•"/>
+        <a:defRPr sz="1800" kern="1200">
+          <a:solidFill>
+            <a:schemeClr val="tx1"/>
+          </a:solidFill>
+          <a:latin typeface="+mn-lt"/>
+          <a:ea typeface="+mn-ea"/>
+          <a:cs typeface="+mn-cs"/>
+        </a:defRPr>
+      </a:lvl9pPr>
+    </p:bodyStyle>
+    <p:otherStyle>
+      <a:defPPr>
+        <a:defRPr lang="es-ES"/>
+      </a:defPPr>
+      <a:lvl1pPr marL="0" algn="l" defTabSz="914400" rtl="0" eaLnBrk="1" latinLnBrk="0" hangingPunct="1">
+        <a:defRPr sz="1800" kern="1200">
+          <a:solidFill>
+            <a:schemeClr val="tx1"/>
+          </a:solidFill>
+          <a:latin typeface="+mn-lt"/>
+          <a:ea typeface="+mn-ea"/>
+          <a:cs typeface="+mn-cs"/>
+        </a:defRPr>
+      </a:lvl1pPr>
+      <a:lvl2pPr marL="457200" algn="l" defTabSz="914400" rtl="0" eaLnBrk="1" latinLnBrk="0" hangingPunct="1">
+        <a:defRPr sz="1800" kern="1200">
+          <a:solidFill>
+            <a:schemeClr val="tx1"/>
+          </a:solidFill>
+          <a:latin typeface="+mn-lt"/>
+          <a:ea typeface="+mn-ea"/>
+          <a:cs typeface="+mn-cs"/>
+        </a:defRPr>
+      </a:lvl2pPr>
+      <a:lvl3pPr marL="914400" algn="l" defTabSz="914400" rtl="0" eaLnBrk="1" latinLnBrk="0" hangingPunct="1">
+        <a:defRPr sz="1800" kern="1200">
+          <a:solidFill>
+            <a:schemeClr val="tx1"/>
+          </a:solidFill>
+          <a:latin typeface="+mn-lt"/>
+          <a:ea typeface="+mn-ea"/>
+          <a:cs typeface="+mn-cs"/>
+        </a:defRPr>
+      </a:lvl3pPr>
+      <a:lvl4pPr marL="1371600" algn="l" defTabSz="914400" rtl="0" eaLnBrk="1" latinLnBrk="0" hangingPunct="1">
+        <a:defRPr sz="1800" kern="1200">
+          <a:solidFill>
+            <a:schemeClr val="tx1"/>
+          </a:solidFill>
+          <a:latin typeface="+mn-lt"/>
+          <a:ea typeface="+mn-ea"/>
+          <a:cs typeface="+mn-cs"/>
+        </a:defRPr>
+      </a:lvl4pPr>
+      <a:lvl5pPr marL="1828800" algn="l" defTabSz="914400" rtl="0" eaLnBrk="1" latinLnBrk="0" hangingPunct="1">
+        <a:defRPr sz="1800" kern="1200">
+          <a:solidFill>
+            <a:schemeClr val="tx1"/>
+          </a:solidFill>
+          <a:latin typeface="+mn-lt"/>
+          <a:ea typeface="+mn-ea"/>
+          <a:cs typeface="+mn-cs"/>
+        </a:defRPr>
+      </a:lvl5pPr>
+      <a:lvl6pPr marL="2286000" algn="l" defTabSz="914400" rtl="0" eaLnBrk="1" latinLnBrk="0" hangingPunct="1">
+        <a:defRPr sz="1800" kern="1200">
+          <a:solidFill>
+            <a:schemeClr val="tx1"/>
+          </a:solidFill>
+          <a:latin typeface="+mn-lt"/>
+          <a:ea typeface="+mn-ea"/>
+          <a:cs typeface="+mn-cs"/>
+        </a:defRPr>
+      </a:lvl6pPr>
+      <a:lvl7pPr marL="2743200" algn="l" defTabSz="914400" rtl="0" eaLnBrk="1" latinLnBrk="0" hangingPunct="1">
+        <a:defRPr sz="1800" kern="1200">
+          <a:solidFill>
+            <a:schemeClr val="tx1"/>
+          </a:solidFill>
+          <a:latin typeface="+mn-lt"/>
+          <a:ea typeface="+mn-ea"/>
+          <a:cs typeface="+mn-cs"/>
+        </a:defRPr>
+      </a:lvl7pPr>
+      <a:lvl8pPr marL="3200400" algn="l" defTabSz="914400" rtl="0" eaLnBrk="1" latinLnBrk="0" hangingPunct="1">
+        <a:defRPr sz="1800" kern="1200">
+          <a:solidFill>
+            <a:schemeClr val="tx1"/>
+          </a:solidFill>
+          <a:latin typeface="+mn-lt"/>
+          <a:ea typeface="+mn-ea"/>
+          <a:cs typeface="+mn-cs"/>
+        </a:defRPr>
+      </a:lvl8pPr>
+      <a:lvl9pPr marL="3657600" algn="l" defTabSz="914400" rtl="0" eaLnBrk="1" latinLnBrk="0" hangingPunct="1">
+        <a:defRPr sz="1800" kern="1200">
+          <a:solidFill>
+            <a:schemeClr val="tx1"/>
+          </a:solidFill>
+          <a:latin typeface="+mn-lt"/>
+          <a:ea typeface="+mn-ea"/>
+          <a:cs typeface="+mn-cs"/>
+        </a:defRPr>
+      </a:lvl9pPr>
+    </p:otherStyle>
+  </p:txStyles>
 </p:sldMaster>
 </file>
 
 <file path=ppt/slides/slide1.xml><?xml version="1.0" encoding="utf-8"?>
-<p:sld xmlns:a="http://schemas.openxmlformats.org/drawingml/2006/main" xmlns:p="http://schemas.openxmlformats.org/presentationml/2006/main" xmlns:r="http://schemas.openxmlformats.org/officeDocument/2006/relationships" xmlns:p14="http://schemas.microsoft.com/office/powerpoint/2010/main" xmlns:p15="http://schemas.microsoft.com/office/powerpoint/2012/main" xmlns:mc="http://schemas.openxmlformats.org/markup-compatibility/2006">
+<p:sld xmlns:a="http://schemas.openxmlformats.org/drawingml/2006/main" xmlns:r="http://schemas.openxmlformats.org/officeDocument/2006/relationships" xmlns:p="http://schemas.openxmlformats.org/presentationml/2006/main">
   <p:cSld>
     <p:spTree>
       <p:nvGrpSpPr>
@@ -1431,12 +1879,12 @@
       </p:grpSpPr>
       <p:pic>
         <p:nvPicPr>
-          <p:cNvPr id="36" name="Imagen 37" descr=""/>
+          <p:cNvPr id="36" name="Imagen 37"/>
           <p:cNvPicPr/>
           <p:nvPr/>
         </p:nvPicPr>
         <p:blipFill>
-          <a:blip r:embed="rId1"/>
+          <a:blip r:embed="rId2"/>
           <a:stretch/>
         </p:blipFill>
         <p:spPr>
@@ -1469,7 +1917,7 @@
             </a:avLst>
           </a:prstGeom>
           <a:solidFill>
-            <a:srgbClr val="ca9bcf"/>
+            <a:srgbClr val="CA9BCF"/>
           </a:solidFill>
           <a:ln>
             <a:noFill/>
@@ -1490,9 +1938,10 @@
           <a:fontRef idx="minor"/>
         </p:style>
         <p:txBody>
-          <a:bodyPr lIns="90000" rIns="90000" tIns="45000" bIns="45000" anchor="ctr">
+          <a:bodyPr lIns="90000" tIns="45000" rIns="90000" bIns="45000" anchor="ctr">
             <a:noAutofit/>
           </a:bodyPr>
+          <a:lstStyle/>
           <a:p>
             <a:pPr>
               <a:lnSpc>
@@ -1500,16 +1949,16 @@
               </a:lnSpc>
             </a:pPr>
             <a:r>
-              <a:rPr b="1" lang="es-ES" sz="1800" spc="-1" strike="noStrike">
+              <a:rPr lang="es-ES" sz="1800" b="1" strike="noStrike" spc="-1">
                 <a:solidFill>
-                  <a:srgbClr val="ffffff"/>
+                  <a:srgbClr val="FFFFFF"/>
                 </a:solidFill>
                 <a:latin typeface="Corbel"/>
                 <a:ea typeface="DejaVu Sans"/>
               </a:rPr>
               <a:t>Título: </a:t>
             </a:r>
-            <a:endParaRPr b="0" lang="es-ES" sz="1800" spc="-1" strike="noStrike">
+            <a:endParaRPr lang="es-ES" sz="1800" b="0" strike="noStrike" spc="-1">
               <a:latin typeface="Arial"/>
             </a:endParaRPr>
           </a:p>
@@ -1517,12 +1966,12 @@
       </p:sp>
       <p:pic>
         <p:nvPicPr>
-          <p:cNvPr id="38" name="Picture 2" descr=""/>
+          <p:cNvPr id="38" name="Picture 2"/>
           <p:cNvPicPr/>
           <p:nvPr/>
         </p:nvPicPr>
         <p:blipFill>
-          <a:blip r:embed="rId2"/>
+          <a:blip r:embed="rId3"/>
           <a:srcRect l="8502" t="16584" r="8635" b="12518"/>
           <a:stretch/>
         </p:blipFill>
@@ -1579,9 +2028,10 @@
           <a:fontRef idx="minor"/>
         </p:style>
         <p:txBody>
-          <a:bodyPr lIns="90000" rIns="90000" tIns="45000" bIns="45000" anchor="ctr">
+          <a:bodyPr lIns="90000" tIns="45000" rIns="90000" bIns="45000" anchor="ctr">
             <a:noAutofit/>
           </a:bodyPr>
+          <a:lstStyle/>
           <a:p>
             <a:pPr>
               <a:lnSpc>
@@ -1589,9 +2039,9 @@
               </a:lnSpc>
             </a:pPr>
             <a:r>
-              <a:rPr b="1" lang="es-ES" sz="1200" spc="-1" strike="noStrike">
+              <a:rPr lang="es-ES" sz="1200" b="1" strike="noStrike" spc="-1">
                 <a:solidFill>
-                  <a:srgbClr val="cb94d6"/>
+                  <a:srgbClr val="CB94D6"/>
                 </a:solidFill>
                 <a:latin typeface="Corbel"/>
                 <a:ea typeface="DejaVu Sans"/>
@@ -1599,7 +2049,7 @@
               <a:t>Objetivos: </a:t>
             </a:r>
             <a:r>
-              <a:rPr b="0" lang="es-ES" sz="1200" spc="-1" strike="noStrike">
+              <a:rPr lang="es-ES" sz="1200" b="0" strike="noStrike" spc="-1">
                 <a:solidFill>
                   <a:srgbClr val="808080"/>
                 </a:solidFill>
@@ -1608,7 +2058,7 @@
               </a:rPr>
               <a:t>(Escribir aquí)</a:t>
             </a:r>
-            <a:endParaRPr b="0" lang="es-ES" sz="1200" spc="-1" strike="noStrike">
+            <a:endParaRPr lang="es-ES" sz="1200" b="0" strike="noStrike" spc="-1">
               <a:latin typeface="Arial"/>
             </a:endParaRPr>
           </a:p>
@@ -1654,9 +2104,10 @@
           <a:fontRef idx="minor"/>
         </p:style>
         <p:txBody>
-          <a:bodyPr lIns="90000" rIns="90000" tIns="45000" bIns="45000" anchor="ctr">
+          <a:bodyPr lIns="90000" tIns="45000" rIns="90000" bIns="45000" anchor="ctr">
             <a:noAutofit/>
           </a:bodyPr>
+          <a:lstStyle/>
           <a:p>
             <a:pPr>
               <a:lnSpc>
@@ -1664,9 +2115,9 @@
               </a:lnSpc>
             </a:pPr>
             <a:r>
-              <a:rPr b="1" lang="es-ES" sz="1200" spc="-1" strike="noStrike">
+              <a:rPr lang="es-ES" sz="1200" b="1" strike="noStrike" spc="-1">
                 <a:solidFill>
-                  <a:srgbClr val="cb94d6"/>
+                  <a:srgbClr val="CB94D6"/>
                 </a:solidFill>
                 <a:latin typeface="Corbel"/>
                 <a:ea typeface="DejaVu Sans"/>
@@ -1674,7 +2125,7 @@
               <a:t>Método: </a:t>
             </a:r>
             <a:r>
-              <a:rPr b="0" lang="es-ES" sz="1200" spc="-1" strike="noStrike">
+              <a:rPr lang="es-ES" sz="1200" b="0" strike="noStrike" spc="-1">
                 <a:solidFill>
                   <a:srgbClr val="808080"/>
                 </a:solidFill>
@@ -1683,7 +2134,7 @@
               </a:rPr>
               <a:t>(Escribir aquí)</a:t>
             </a:r>
-            <a:endParaRPr b="0" lang="es-ES" sz="1200" spc="-1" strike="noStrike">
+            <a:endParaRPr lang="es-ES" sz="1200" b="0" strike="noStrike" spc="-1">
               <a:latin typeface="Arial"/>
             </a:endParaRPr>
           </a:p>
@@ -1729,9 +2180,10 @@
           <a:fontRef idx="minor"/>
         </p:style>
         <p:txBody>
-          <a:bodyPr lIns="90000" rIns="90000" tIns="45000" bIns="45000" anchor="ctr">
+          <a:bodyPr lIns="90000" tIns="45000" rIns="90000" bIns="45000" anchor="ctr">
             <a:noAutofit/>
           </a:bodyPr>
+          <a:lstStyle/>
           <a:p>
             <a:pPr>
               <a:lnSpc>
@@ -1739,9 +2191,9 @@
               </a:lnSpc>
             </a:pPr>
             <a:r>
-              <a:rPr b="1" lang="es-ES" sz="1200" spc="-1" strike="noStrike">
+              <a:rPr lang="es-ES" sz="1200" b="1" strike="noStrike" spc="-1">
                 <a:solidFill>
-                  <a:srgbClr val="cb94d6"/>
+                  <a:srgbClr val="CB94D6"/>
                 </a:solidFill>
                 <a:latin typeface="Corbel"/>
                 <a:ea typeface="DejaVu Sans"/>
@@ -1749,7 +2201,7 @@
               <a:t>Conclusiones principales: </a:t>
             </a:r>
             <a:r>
-              <a:rPr b="0" lang="es-ES" sz="1200" spc="-1" strike="noStrike">
+              <a:rPr lang="es-ES" sz="1200" b="0" strike="noStrike" spc="-1">
                 <a:solidFill>
                   <a:srgbClr val="808080"/>
                 </a:solidFill>
@@ -1758,7 +2210,7 @@
               </a:rPr>
               <a:t>(Escribir aquí, máximo 3)</a:t>
             </a:r>
-            <a:endParaRPr b="0" lang="es-ES" sz="1200" spc="-1" strike="noStrike">
+            <a:endParaRPr lang="es-ES" sz="1200" b="0" strike="noStrike" spc="-1">
               <a:latin typeface="Arial"/>
             </a:endParaRPr>
           </a:p>
@@ -1774,7 +2226,7 @@
               <a:buChar char="•"/>
             </a:pPr>
             <a:r>
-              <a:rPr b="0" lang="es-ES" sz="1200" spc="-1" strike="noStrike">
+              <a:rPr lang="es-ES" sz="1200" b="0" strike="noStrike" spc="-1">
                 <a:solidFill>
                   <a:srgbClr val="808080"/>
                 </a:solidFill>
@@ -1783,7 +2235,7 @@
               </a:rPr>
               <a:t>Conclusion 1</a:t>
             </a:r>
-            <a:endParaRPr b="0" lang="es-ES" sz="1200" spc="-1" strike="noStrike">
+            <a:endParaRPr lang="es-ES" sz="1200" b="0" strike="noStrike" spc="-1">
               <a:latin typeface="Arial"/>
             </a:endParaRPr>
           </a:p>
@@ -1799,7 +2251,7 @@
               <a:buChar char="•"/>
             </a:pPr>
             <a:r>
-              <a:rPr b="0" lang="es-ES" sz="1200" spc="-1" strike="noStrike">
+              <a:rPr lang="es-ES" sz="1200" b="0" strike="noStrike" spc="-1">
                 <a:solidFill>
                   <a:srgbClr val="808080"/>
                 </a:solidFill>
@@ -1808,7 +2260,7 @@
               </a:rPr>
               <a:t>Conclusion 2</a:t>
             </a:r>
-            <a:endParaRPr b="0" lang="es-ES" sz="1200" spc="-1" strike="noStrike">
+            <a:endParaRPr lang="es-ES" sz="1200" b="0" strike="noStrike" spc="-1">
               <a:latin typeface="Arial"/>
             </a:endParaRPr>
           </a:p>
@@ -1824,7 +2276,7 @@
               <a:buChar char="•"/>
             </a:pPr>
             <a:r>
-              <a:rPr b="0" lang="es-ES" sz="1200" spc="-1" strike="noStrike">
+              <a:rPr lang="es-ES" sz="1200" b="0" strike="noStrike" spc="-1">
                 <a:solidFill>
                   <a:srgbClr val="808080"/>
                 </a:solidFill>
@@ -1833,7 +2285,7 @@
               </a:rPr>
               <a:t>Conclusion 3</a:t>
             </a:r>
-            <a:endParaRPr b="0" lang="es-ES" sz="1200" spc="-1" strike="noStrike">
+            <a:endParaRPr lang="es-ES" sz="1200" b="0" strike="noStrike" spc="-1">
               <a:latin typeface="Arial"/>
             </a:endParaRPr>
           </a:p>
@@ -1879,9 +2331,10 @@
           <a:fontRef idx="minor"/>
         </p:style>
         <p:txBody>
-          <a:bodyPr lIns="90000" rIns="90000" tIns="45000" bIns="45000" anchor="ctr">
+          <a:bodyPr lIns="90000" tIns="45000" rIns="90000" bIns="45000" anchor="ctr">
             <a:noAutofit/>
           </a:bodyPr>
+          <a:lstStyle/>
           <a:p>
             <a:pPr>
               <a:lnSpc>
@@ -1889,9 +2342,9 @@
               </a:lnSpc>
             </a:pPr>
             <a:r>
-              <a:rPr b="1" lang="es-ES" sz="1200" spc="-1" strike="noStrike">
+              <a:rPr lang="es-ES" sz="1200" b="1" strike="noStrike" spc="-1">
                 <a:solidFill>
-                  <a:srgbClr val="cb94d6"/>
+                  <a:srgbClr val="CB94D6"/>
                 </a:solidFill>
                 <a:latin typeface="Corbel"/>
                 <a:ea typeface="DejaVu Sans"/>
@@ -1899,7 +2352,7 @@
               <a:t>Transferencia / Impacto: </a:t>
             </a:r>
             <a:r>
-              <a:rPr b="0" lang="es-ES" sz="1200" spc="-1" strike="noStrike">
+              <a:rPr lang="es-ES" sz="1200" b="0" strike="noStrike" spc="-1">
                 <a:solidFill>
                   <a:srgbClr val="808080"/>
                 </a:solidFill>
@@ -1908,7 +2361,7 @@
               </a:rPr>
               <a:t>(Escribir aquí, máximo 2)</a:t>
             </a:r>
-            <a:endParaRPr b="0" lang="es-ES" sz="1200" spc="-1" strike="noStrike">
+            <a:endParaRPr lang="es-ES" sz="1200" b="0" strike="noStrike" spc="-1">
               <a:latin typeface="Arial"/>
             </a:endParaRPr>
           </a:p>
@@ -1924,7 +2377,7 @@
               <a:buChar char="•"/>
             </a:pPr>
             <a:r>
-              <a:rPr b="0" lang="es-ES" sz="1200" spc="-1" strike="noStrike">
+              <a:rPr lang="es-ES" sz="1200" b="0" strike="noStrike" spc="-1">
                 <a:solidFill>
                   <a:srgbClr val="808080"/>
                 </a:solidFill>
@@ -1933,7 +2386,7 @@
               </a:rPr>
               <a:t>Idea 1</a:t>
             </a:r>
-            <a:endParaRPr b="0" lang="es-ES" sz="1200" spc="-1" strike="noStrike">
+            <a:endParaRPr lang="es-ES" sz="1200" b="0" strike="noStrike" spc="-1">
               <a:latin typeface="Arial"/>
             </a:endParaRPr>
           </a:p>
@@ -1949,7 +2402,7 @@
               <a:buChar char="•"/>
             </a:pPr>
             <a:r>
-              <a:rPr b="0" lang="es-ES" sz="1200" spc="-1" strike="noStrike">
+              <a:rPr lang="es-ES" sz="1200" b="0" strike="noStrike" spc="-1">
                 <a:solidFill>
                   <a:srgbClr val="808080"/>
                 </a:solidFill>
@@ -1958,7 +2411,7 @@
               </a:rPr>
               <a:t>Idea 2</a:t>
             </a:r>
-            <a:endParaRPr b="0" lang="es-ES" sz="1200" spc="-1" strike="noStrike">
+            <a:endParaRPr lang="es-ES" sz="1200" b="0" strike="noStrike" spc="-1">
               <a:latin typeface="Arial"/>
             </a:endParaRPr>
           </a:p>
@@ -1981,7 +2434,7 @@
             </a:avLst>
           </a:prstGeom>
           <a:solidFill>
-            <a:srgbClr val="cb94d6">
+            <a:srgbClr val="CB94D6">
               <a:alpha val="29000"/>
             </a:srgbClr>
           </a:solidFill>
@@ -2004,9 +2457,10 @@
           <a:fontRef idx="minor"/>
         </p:style>
         <p:txBody>
-          <a:bodyPr lIns="90000" rIns="90000" tIns="45000" bIns="45000" anchor="ctr">
+          <a:bodyPr lIns="90000" tIns="45000" rIns="90000" bIns="45000" anchor="ctr">
             <a:noAutofit/>
           </a:bodyPr>
+          <a:lstStyle/>
           <a:p>
             <a:pPr>
               <a:lnSpc>
@@ -2014,9 +2468,9 @@
               </a:lnSpc>
             </a:pPr>
             <a:r>
-              <a:rPr b="1" lang="es-ES" sz="1200" spc="-1" strike="noStrike">
+              <a:rPr lang="es-ES" sz="1200" b="1" strike="noStrike" spc="-1">
                 <a:solidFill>
-                  <a:srgbClr val="cb94d6"/>
+                  <a:srgbClr val="CB94D6"/>
                 </a:solidFill>
                 <a:latin typeface="Corbel"/>
                 <a:ea typeface="DejaVu Sans"/>
@@ -2024,7 +2478,7 @@
               <a:t>Participantes: </a:t>
             </a:r>
             <a:r>
-              <a:rPr b="0" lang="es-ES" sz="1200" spc="-1" strike="noStrike">
+              <a:rPr lang="es-ES" sz="1200" b="0" strike="noStrike" spc="-1">
                 <a:solidFill>
                   <a:srgbClr val="808080"/>
                 </a:solidFill>
@@ -2033,7 +2487,7 @@
               </a:rPr>
               <a:t>(Escribir aquí)</a:t>
             </a:r>
-            <a:endParaRPr b="0" lang="es-ES" sz="1200" spc="-1" strike="noStrike">
+            <a:endParaRPr lang="es-ES" sz="1200" b="0" strike="noStrike" spc="-1">
               <a:latin typeface="Arial"/>
             </a:endParaRPr>
           </a:p>
@@ -2044,16 +2498,16 @@
               </a:lnSpc>
             </a:pPr>
             <a:r>
-              <a:rPr b="1" lang="es-ES" sz="1200" spc="-1" strike="noStrike">
+              <a:rPr lang="es-ES" sz="1200" b="1" strike="noStrike" spc="-1">
                 <a:solidFill>
-                  <a:srgbClr val="cb94d6"/>
+                  <a:srgbClr val="CB94D6"/>
                 </a:solidFill>
                 <a:latin typeface="Corbel"/>
                 <a:ea typeface="DejaVu Sans"/>
               </a:rPr>
               <a:t>Centro: </a:t>
             </a:r>
-            <a:endParaRPr b="0" lang="es-ES" sz="1200" spc="-1" strike="noStrike">
+            <a:endParaRPr lang="es-ES" sz="1200" b="0" strike="noStrike" spc="-1">
               <a:latin typeface="Arial"/>
             </a:endParaRPr>
           </a:p>
@@ -2064,7 +2518,7 @@
               </a:lnSpc>
             </a:pPr>
             <a:r>
-              <a:rPr b="0" lang="es-ES" sz="1200" spc="-1" strike="noStrike">
+              <a:rPr lang="es-ES" sz="1200" b="0" strike="noStrike" spc="-1">
                 <a:solidFill>
                   <a:srgbClr val="808080"/>
                 </a:solidFill>
@@ -2073,7 +2527,7 @@
               </a:rPr>
               <a:t>(Escribir aquí)</a:t>
             </a:r>
-            <a:endParaRPr b="0" lang="es-ES" sz="1200" spc="-1" strike="noStrike">
+            <a:endParaRPr lang="es-ES" sz="1200" b="0" strike="noStrike" spc="-1">
               <a:latin typeface="Arial"/>
             </a:endParaRPr>
           </a:p>
@@ -2099,15 +2553,22 @@
           </a:ln>
         </p:spPr>
         <p:style>
-          <a:lnRef idx="0"/>
-          <a:fillRef idx="0"/>
-          <a:effectRef idx="0"/>
+          <a:lnRef idx="0">
+            <a:scrgbClr r="0" g="0" b="0"/>
+          </a:lnRef>
+          <a:fillRef idx="0">
+            <a:scrgbClr r="0" g="0" b="0"/>
+          </a:fillRef>
+          <a:effectRef idx="0">
+            <a:scrgbClr r="0" g="0" b="0"/>
+          </a:effectRef>
           <a:fontRef idx="minor"/>
         </p:style>
         <p:txBody>
-          <a:bodyPr lIns="90000" rIns="90000" tIns="45000" bIns="45000">
+          <a:bodyPr lIns="90000" tIns="45000" rIns="90000" bIns="45000">
             <a:noAutofit/>
           </a:bodyPr>
+          <a:lstStyle/>
           <a:p>
             <a:pPr algn="ctr">
               <a:lnSpc>
@@ -2115,16 +2576,26 @@
               </a:lnSpc>
             </a:pPr>
             <a:r>
-              <a:rPr b="0" lang="es-ES" sz="1200" spc="-1" strike="noStrike">
+              <a:rPr lang="es-ES" sz="1200" b="0" strike="noStrike" spc="-1" dirty="0">
                 <a:solidFill>
-                  <a:srgbClr val="a6a6a6"/>
+                  <a:srgbClr val="A6A6A6"/>
                 </a:solidFill>
                 <a:latin typeface="Heavitas"/>
                 <a:ea typeface="DejaVu Sans"/>
               </a:rPr>
-              <a:t>Convocatoria de Proyectos de Innovación: Docencia, Tecnología, Orientación, Social y Transferencia. Curso 2021-2022</a:t>
+              <a:t>Convocatoria de Proyectos de Innovación: Docencia, Tecnología, Orientación, Social y Transferencia. </a:t>
             </a:r>
-            <a:endParaRPr b="0" lang="es-ES" sz="1200" spc="-1" strike="noStrike">
+            <a:r>
+              <a:rPr lang="es-ES" sz="1200" b="0" strike="noStrike" spc="-1">
+                <a:solidFill>
+                  <a:srgbClr val="A6A6A6"/>
+                </a:solidFill>
+                <a:latin typeface="Heavitas"/>
+                <a:ea typeface="DejaVu Sans"/>
+              </a:rPr>
+              <a:t>Curso 2022-2023</a:t>
+            </a:r>
+            <a:endParaRPr lang="es-ES" sz="1200" b="0" strike="noStrike" spc="-1" dirty="0">
               <a:latin typeface="Arial"/>
             </a:endParaRPr>
           </a:p>
@@ -2132,14 +2603,9 @@
       </p:sp>
     </p:spTree>
   </p:cSld>
-  <mc:AlternateContent>
-    <mc:Choice Requires="p14">
-      <p:transition spd="slow" p14:dur="2000"/>
-    </mc:Choice>
-    <mc:Fallback>
-      <p:transition spd="slow"/>
-    </mc:Fallback>
-  </mc:AlternateContent>
+  <p:clrMapOvr>
+    <a:masterClrMapping/>
+  </p:clrMapOvr>
 </p:sld>
 </file>
 
@@ -2154,31 +2620,31 @@
         <a:sysClr val="window" lastClr="FFFFFF"/>
       </a:lt1>
       <a:dk2>
-        <a:srgbClr val="1f497d"/>
+        <a:srgbClr val="1F497D"/>
       </a:dk2>
       <a:lt2>
-        <a:srgbClr val="eeece1"/>
+        <a:srgbClr val="EEECE1"/>
       </a:lt2>
       <a:accent1>
-        <a:srgbClr val="4f81bd"/>
+        <a:srgbClr val="4F81BD"/>
       </a:accent1>
       <a:accent2>
-        <a:srgbClr val="c0504d"/>
+        <a:srgbClr val="C0504D"/>
       </a:accent2>
       <a:accent3>
-        <a:srgbClr val="9bbb59"/>
+        <a:srgbClr val="9BBB59"/>
       </a:accent3>
       <a:accent4>
-        <a:srgbClr val="8064a2"/>
+        <a:srgbClr val="8064A2"/>
       </a:accent4>
       <a:accent5>
-        <a:srgbClr val="4bacc6"/>
+        <a:srgbClr val="4BACC6"/>
       </a:accent5>
       <a:accent6>
-        <a:srgbClr val="f79646"/>
+        <a:srgbClr val="F79646"/>
       </a:accent6>
       <a:hlink>
-        <a:srgbClr val="0000ff"/>
+        <a:srgbClr val="0000FF"/>
       </a:hlink>
       <a:folHlink>
         <a:srgbClr val="800080"/>
@@ -2366,5 +2832,7 @@
       </a:bgFillStyleLst>
     </a:fmtScheme>
   </a:themeElements>
+  <a:objectDefaults/>
+  <a:extraClrSchemeLst/>
 </a:theme>
 </file>